--- a/lectures/Threads.pptx
+++ b/lectures/Threads.pptx
@@ -5,36 +5,37 @@
     <p:sldMasterId id="2147483657" r:id="rId1"/>
   </p:sldMasterIdLst>
   <p:notesMasterIdLst>
-    <p:notesMasterId r:id="rId5"/>
+    <p:notesMasterId r:id="rId6"/>
   </p:notesMasterIdLst>
   <p:sldIdLst>
     <p:sldId id="259" r:id="rId2"/>
     <p:sldId id="261" r:id="rId3"/>
     <p:sldId id="262" r:id="rId4"/>
+    <p:sldId id="263" r:id="rId5"/>
   </p:sldIdLst>
   <p:sldSz cx="9144000" cy="5143500" type="screen16x9"/>
   <p:notesSz cx="6858000" cy="9144000"/>
   <p:embeddedFontLst>
     <p:embeddedFont>
       <p:font typeface="Arvo" panose="020B0604020202020204" charset="0"/>
-      <p:regular r:id="rId6"/>
-      <p:bold r:id="rId7"/>
-      <p:italic r:id="rId8"/>
-      <p:boldItalic r:id="rId9"/>
+      <p:regular r:id="rId7"/>
+      <p:bold r:id="rId8"/>
+      <p:italic r:id="rId9"/>
+      <p:boldItalic r:id="rId10"/>
     </p:embeddedFont>
     <p:embeddedFont>
-      <p:font typeface="Roboto Condensed" panose="020B0604020202020204" charset="0"/>
-      <p:regular r:id="rId10"/>
-      <p:bold r:id="rId11"/>
-      <p:italic r:id="rId12"/>
-      <p:boldItalic r:id="rId13"/>
+      <p:font typeface="Roboto Condensed" panose="02000000000000000000" pitchFamily="2" charset="0"/>
+      <p:regular r:id="rId11"/>
+      <p:bold r:id="rId12"/>
+      <p:italic r:id="rId13"/>
+      <p:boldItalic r:id="rId14"/>
     </p:embeddedFont>
     <p:embeddedFont>
-      <p:font typeface="Roboto Condensed Light" panose="020B0604020202020204" charset="0"/>
-      <p:regular r:id="rId14"/>
-      <p:bold r:id="rId15"/>
-      <p:italic r:id="rId16"/>
-      <p:boldItalic r:id="rId17"/>
+      <p:font typeface="Roboto Condensed Light" panose="02000000000000000000" pitchFamily="2" charset="0"/>
+      <p:regular r:id="rId15"/>
+      <p:bold r:id="rId16"/>
+      <p:italic r:id="rId17"/>
+      <p:boldItalic r:id="rId18"/>
     </p:embeddedFont>
   </p:embeddedFontLst>
   <p:defaultTextStyle>
@@ -821,6 +822,112 @@
     <p:extLst>
       <p:ext uri="{BB962C8B-B14F-4D97-AF65-F5344CB8AC3E}">
         <p14:creationId xmlns:p14="http://schemas.microsoft.com/office/powerpoint/2010/main" val="854490715"/>
+      </p:ext>
+    </p:extLst>
+  </p:cSld>
+  <p:clrMapOvr>
+    <a:masterClrMapping/>
+  </p:clrMapOvr>
+</p:notes>
+</file>
+
+<file path=ppt/notesSlides/notesSlide4.xml><?xml version="1.0" encoding="utf-8"?>
+<p:notes xmlns:a="http://schemas.openxmlformats.org/drawingml/2006/main" xmlns:r="http://schemas.openxmlformats.org/officeDocument/2006/relationships" xmlns:p="http://schemas.openxmlformats.org/presentationml/2006/main" showMasterSp="0" showMasterPhAnim="0">
+  <p:cSld>
+    <p:spTree>
+      <p:nvGrpSpPr>
+        <p:cNvPr id="1" name="Shape 232"/>
+        <p:cNvGrpSpPr/>
+        <p:nvPr/>
+      </p:nvGrpSpPr>
+      <p:grpSpPr>
+        <a:xfrm>
+          <a:off x="0" y="0"/>
+          <a:ext cx="0" cy="0"/>
+          <a:chOff x="0" y="0"/>
+          <a:chExt cx="0" cy="0"/>
+        </a:xfrm>
+      </p:grpSpPr>
+      <p:sp>
+        <p:nvSpPr>
+          <p:cNvPr id="233" name="Shape 233"/>
+          <p:cNvSpPr>
+            <a:spLocks noGrp="1" noRot="1" noChangeAspect="1"/>
+          </p:cNvSpPr>
+          <p:nvPr>
+            <p:ph type="sldImg" idx="2"/>
+          </p:nvPr>
+        </p:nvSpPr>
+        <p:spPr>
+          <a:xfrm>
+            <a:off x="381000" y="685800"/>
+            <a:ext cx="6096000" cy="3429000"/>
+          </a:xfrm>
+          <a:custGeom>
+            <a:avLst/>
+            <a:gdLst/>
+            <a:ahLst/>
+            <a:cxnLst/>
+            <a:rect l="0" t="0" r="0" b="0"/>
+            <a:pathLst>
+              <a:path w="120000" h="120000" extrusionOk="0">
+                <a:moveTo>
+                  <a:pt x="0" y="0"/>
+                </a:moveTo>
+                <a:lnTo>
+                  <a:pt x="120000" y="0"/>
+                </a:lnTo>
+                <a:lnTo>
+                  <a:pt x="120000" y="120000"/>
+                </a:lnTo>
+                <a:lnTo>
+                  <a:pt x="0" y="120000"/>
+                </a:lnTo>
+                <a:close/>
+              </a:path>
+            </a:pathLst>
+          </a:custGeom>
+        </p:spPr>
+      </p:sp>
+      <p:sp>
+        <p:nvSpPr>
+          <p:cNvPr id="234" name="Shape 234"/>
+          <p:cNvSpPr txBox="1">
+            <a:spLocks noGrp="1"/>
+          </p:cNvSpPr>
+          <p:nvPr>
+            <p:ph type="body" idx="1"/>
+          </p:nvPr>
+        </p:nvSpPr>
+        <p:spPr>
+          <a:xfrm>
+            <a:off x="685800" y="4343400"/>
+            <a:ext cx="5486400" cy="4114800"/>
+          </a:xfrm>
+          <a:prstGeom prst="rect">
+            <a:avLst/>
+          </a:prstGeom>
+        </p:spPr>
+        <p:txBody>
+          <a:bodyPr wrap="square" lIns="91425" tIns="91425" rIns="91425" bIns="91425" anchor="t" anchorCtr="0">
+            <a:noAutofit/>
+          </a:bodyPr>
+          <a:lstStyle/>
+          <a:p>
+            <a:pPr lvl="0">
+              <a:spcBef>
+                <a:spcPts val="0"/>
+              </a:spcBef>
+              <a:buNone/>
+            </a:pPr>
+            <a:endParaRPr/>
+          </a:p>
+        </p:txBody>
+      </p:sp>
+    </p:spTree>
+    <p:extLst>
+      <p:ext uri="{BB962C8B-B14F-4D97-AF65-F5344CB8AC3E}">
+        <p14:creationId xmlns:p14="http://schemas.microsoft.com/office/powerpoint/2010/main" val="930032721"/>
       </p:ext>
     </p:extLst>
   </p:cSld>
@@ -3373,7 +3480,11 @@
             </a:pPr>
             <a:r>
               <a:rPr lang="de-DE" dirty="0"/>
-              <a:t>C++ Parallel Computing</a:t>
+              <a:t>C</a:t>
+            </a:r>
+            <a:r>
+              <a:rPr lang="de-DE"/>
+              <a:t>++ Threadding</a:t>
             </a:r>
             <a:endParaRPr lang="en" dirty="0"/>
           </a:p>
@@ -3535,27 +3646,6 @@
               <a:rPr lang="de-DE" dirty="0"/>
               <a:t>Paralleles Arbeiten ist auf dem CPU und der GPU möglich</a:t>
             </a:r>
-          </a:p>
-          <a:p>
-            <a:pPr marL="457200" lvl="0" indent="-381000" rtl="0">
-              <a:spcBef>
-                <a:spcPts val="0"/>
-              </a:spcBef>
-              <a:spcAft>
-                <a:spcPts val="1000"/>
-              </a:spcAft>
-              <a:buSzPct val="100000"/>
-              <a:buFont typeface="Arial" panose="020B0604020202020204" pitchFamily="34" charset="0"/>
-              <a:buChar char="•"/>
-            </a:pPr>
-            <a:r>
-              <a:rPr lang="de-DE" dirty="0"/>
-              <a:t>Hier: CPU Multi-Threading mit </a:t>
-            </a:r>
-            <a:r>
-              <a:rPr lang="de-DE" dirty="0" err="1"/>
-              <a:t>OpenMP</a:t>
-            </a:r>
             <a:endParaRPr lang="en" dirty="0"/>
           </a:p>
         </p:txBody>
@@ -3759,6 +3849,136 @@
     <p:extLst>
       <p:ext uri="{BB962C8B-B14F-4D97-AF65-F5344CB8AC3E}">
         <p14:creationId xmlns:p14="http://schemas.microsoft.com/office/powerpoint/2010/main" val="1061807059"/>
+      </p:ext>
+    </p:extLst>
+  </p:cSld>
+  <p:clrMapOvr>
+    <a:masterClrMapping/>
+  </p:clrMapOvr>
+</p:sld>
+</file>
+
+<file path=ppt/slides/slide4.xml><?xml version="1.0" encoding="utf-8"?>
+<p:sld xmlns:a="http://schemas.openxmlformats.org/drawingml/2006/main" xmlns:r="http://schemas.openxmlformats.org/officeDocument/2006/relationships" xmlns:p="http://schemas.openxmlformats.org/presentationml/2006/main">
+  <p:cSld>
+    <p:spTree>
+      <p:nvGrpSpPr>
+        <p:cNvPr id="1" name="Shape 235"/>
+        <p:cNvGrpSpPr/>
+        <p:nvPr/>
+      </p:nvGrpSpPr>
+      <p:grpSpPr>
+        <a:xfrm>
+          <a:off x="0" y="0"/>
+          <a:ext cx="0" cy="0"/>
+          <a:chOff x="0" y="0"/>
+          <a:chExt cx="0" cy="0"/>
+        </a:xfrm>
+      </p:grpSpPr>
+      <p:sp>
+        <p:nvSpPr>
+          <p:cNvPr id="236" name="Shape 236"/>
+          <p:cNvSpPr txBox="1">
+            <a:spLocks noGrp="1"/>
+          </p:cNvSpPr>
+          <p:nvPr>
+            <p:ph type="title"/>
+          </p:nvPr>
+        </p:nvSpPr>
+        <p:spPr>
+          <a:prstGeom prst="rect">
+            <a:avLst/>
+          </a:prstGeom>
+        </p:spPr>
+        <p:txBody>
+          <a:bodyPr wrap="square" lIns="91425" tIns="91425" rIns="91425" bIns="91425" anchor="ctr" anchorCtr="0">
+            <a:noAutofit/>
+          </a:bodyPr>
+          <a:lstStyle/>
+          <a:p>
+            <a:pPr lvl="0">
+              <a:spcBef>
+                <a:spcPts val="0"/>
+              </a:spcBef>
+              <a:buNone/>
+            </a:pPr>
+            <a:r>
+              <a:rPr lang="de-DE" dirty="0"/>
+              <a:t>C++ Parallel Computing</a:t>
+            </a:r>
+            <a:endParaRPr lang="en" dirty="0"/>
+          </a:p>
+        </p:txBody>
+      </p:sp>
+      <p:sp>
+        <p:nvSpPr>
+          <p:cNvPr id="238" name="Shape 238"/>
+          <p:cNvSpPr txBox="1">
+            <a:spLocks noGrp="1"/>
+          </p:cNvSpPr>
+          <p:nvPr>
+            <p:ph type="sldNum" idx="12"/>
+          </p:nvPr>
+        </p:nvSpPr>
+        <p:spPr>
+          <a:prstGeom prst="rect">
+            <a:avLst/>
+          </a:prstGeom>
+        </p:spPr>
+        <p:txBody>
+          <a:bodyPr wrap="square" lIns="91425" tIns="91425" rIns="91425" bIns="91425" anchor="ctr" anchorCtr="0">
+            <a:noAutofit/>
+          </a:bodyPr>
+          <a:lstStyle/>
+          <a:p>
+            <a:pPr lvl="0">
+              <a:spcBef>
+                <a:spcPts val="0"/>
+              </a:spcBef>
+              <a:buNone/>
+            </a:pPr>
+            <a:fld id="{00000000-1234-1234-1234-123412341234}" type="slidenum">
+              <a:rPr lang="en"/>
+              <a:t>4</a:t>
+            </a:fld>
+            <a:endParaRPr lang="en"/>
+          </a:p>
+        </p:txBody>
+      </p:sp>
+      <p:pic>
+        <p:nvPicPr>
+          <p:cNvPr id="5" name="Grafik 4">
+            <a:extLst>
+              <a:ext uri="{FF2B5EF4-FFF2-40B4-BE49-F238E27FC236}">
+                <a16:creationId xmlns:a16="http://schemas.microsoft.com/office/drawing/2014/main" id="{66C27348-9433-42E4-89FF-87B1DF48B159}"/>
+              </a:ext>
+            </a:extLst>
+          </p:cNvPr>
+          <p:cNvPicPr>
+            <a:picLocks noChangeAspect="1"/>
+          </p:cNvPicPr>
+          <p:nvPr/>
+        </p:nvPicPr>
+        <p:blipFill>
+          <a:blip r:embed="rId3"/>
+          <a:stretch>
+            <a:fillRect/>
+          </a:stretch>
+        </p:blipFill>
+        <p:spPr>
+          <a:xfrm>
+            <a:off x="1084099" y="1451440"/>
+            <a:ext cx="6106184" cy="3105111"/>
+          </a:xfrm>
+          <a:prstGeom prst="rect">
+            <a:avLst/>
+          </a:prstGeom>
+        </p:spPr>
+      </p:pic>
+    </p:spTree>
+    <p:extLst>
+      <p:ext uri="{BB962C8B-B14F-4D97-AF65-F5344CB8AC3E}">
+        <p14:creationId xmlns:p14="http://schemas.microsoft.com/office/powerpoint/2010/main" val="2768672601"/>
       </p:ext>
     </p:extLst>
   </p:cSld>
